--- a/ppt 16-9/0202.耶稣降生伯利恒.pptx
+++ b/ppt 16-9/0202.耶稣降生伯利恒.pptx
@@ -5,7 +5,7 @@
     <p:sldMasterId id="2147483648" r:id="rId1"/>
   </p:sldMasterIdLst>
   <p:sldIdLst>
-    <p:sldId id="2843" r:id="rId2"/>
+    <p:sldId id="2845" r:id="rId2"/>
   </p:sldIdLst>
   <p:sldSz cx="12192000" cy="6858000"/>
   <p:notesSz cx="6858000" cy="9144000"/>
@@ -129,7 +129,7 @@
           <p:cNvPr id="2" name="标题 1">
             <a:extLst>
               <a:ext uri="{FF2B5EF4-FFF2-40B4-BE49-F238E27FC236}">
-                <a16:creationId xmlns:a16="http://schemas.microsoft.com/office/drawing/2014/main" id="{68DA9FE4-A0EB-4342-B476-C1CF43691D7B}"/>
+                <a16:creationId xmlns:a16="http://schemas.microsoft.com/office/drawing/2014/main" id="{32F6D742-CEB3-75C9-B37B-1D5FD9C2EF30}"/>
               </a:ext>
             </a:extLst>
           </p:cNvPr>
@@ -166,7 +166,7 @@
           <p:cNvPr id="3" name="副标题 2">
             <a:extLst>
               <a:ext uri="{FF2B5EF4-FFF2-40B4-BE49-F238E27FC236}">
-                <a16:creationId xmlns:a16="http://schemas.microsoft.com/office/drawing/2014/main" id="{B8C9AE62-15D1-114E-2ECA-83990464E753}"/>
+                <a16:creationId xmlns:a16="http://schemas.microsoft.com/office/drawing/2014/main" id="{68EC1763-5CD0-8A45-B4B2-AF1BECF6B150}"/>
               </a:ext>
             </a:extLst>
           </p:cNvPr>
@@ -236,7 +236,7 @@
           <p:cNvPr id="4" name="日期占位符 3">
             <a:extLst>
               <a:ext uri="{FF2B5EF4-FFF2-40B4-BE49-F238E27FC236}">
-                <a16:creationId xmlns:a16="http://schemas.microsoft.com/office/drawing/2014/main" id="{C421BA93-D80A-4B21-A344-F5865FE7B81B}"/>
+                <a16:creationId xmlns:a16="http://schemas.microsoft.com/office/drawing/2014/main" id="{C5020759-4230-1C6A-0CBD-3B0197555B12}"/>
               </a:ext>
             </a:extLst>
           </p:cNvPr>
@@ -252,7 +252,7 @@
           <a:bodyPr/>
           <a:lstStyle/>
           <a:p>
-            <a:fld id="{F9DE1870-6365-4041-BDC7-C941173FF91B}" type="datetimeFigureOut">
+            <a:fld id="{48C9C8B7-5985-4DB4-8A11-1D4594B47FE9}" type="datetimeFigureOut">
               <a:rPr lang="zh-CN" altLang="en-US" smtClean="0"/>
               <a:t>2024/3/10</a:t>
             </a:fld>
@@ -265,7 +265,7 @@
           <p:cNvPr id="5" name="页脚占位符 4">
             <a:extLst>
               <a:ext uri="{FF2B5EF4-FFF2-40B4-BE49-F238E27FC236}">
-                <a16:creationId xmlns:a16="http://schemas.microsoft.com/office/drawing/2014/main" id="{E16BD0E9-8D88-57BA-EA43-2F9210F0C22A}"/>
+                <a16:creationId xmlns:a16="http://schemas.microsoft.com/office/drawing/2014/main" id="{811EB7A3-1EF1-1A41-E45D-4A345C25D810}"/>
               </a:ext>
             </a:extLst>
           </p:cNvPr>
@@ -290,7 +290,7 @@
           <p:cNvPr id="6" name="灯片编号占位符 5">
             <a:extLst>
               <a:ext uri="{FF2B5EF4-FFF2-40B4-BE49-F238E27FC236}">
-                <a16:creationId xmlns:a16="http://schemas.microsoft.com/office/drawing/2014/main" id="{2AEEB55F-7B2C-E3F0-796F-83776C6A03C0}"/>
+                <a16:creationId xmlns:a16="http://schemas.microsoft.com/office/drawing/2014/main" id="{E29EFAE1-91C2-ACF7-86B5-BA7373FCD035}"/>
               </a:ext>
             </a:extLst>
           </p:cNvPr>
@@ -306,7 +306,7 @@
           <a:bodyPr/>
           <a:lstStyle/>
           <a:p>
-            <a:fld id="{416C6CD9-42DA-431F-A9D5-B3FE73373F87}" type="slidenum">
+            <a:fld id="{C1337CBB-376D-4E99-8050-AA63B506FB94}" type="slidenum">
               <a:rPr lang="zh-CN" altLang="en-US" smtClean="0"/>
               <a:t>‹#›</a:t>
             </a:fld>
@@ -317,7 +317,7 @@
     </p:spTree>
     <p:extLst>
       <p:ext uri="{BB962C8B-B14F-4D97-AF65-F5344CB8AC3E}">
-        <p14:creationId xmlns:p14="http://schemas.microsoft.com/office/powerpoint/2010/main" val="705202546"/>
+        <p14:creationId xmlns:p14="http://schemas.microsoft.com/office/powerpoint/2010/main" val="412844028"/>
       </p:ext>
     </p:extLst>
   </p:cSld>
@@ -349,7 +349,7 @@
           <p:cNvPr id="2" name="标题 1">
             <a:extLst>
               <a:ext uri="{FF2B5EF4-FFF2-40B4-BE49-F238E27FC236}">
-                <a16:creationId xmlns:a16="http://schemas.microsoft.com/office/drawing/2014/main" id="{F3D54299-C2E4-F745-54BA-7D79C0B8142D}"/>
+                <a16:creationId xmlns:a16="http://schemas.microsoft.com/office/drawing/2014/main" id="{1D85A11F-B2D4-B30B-39C7-2A393A70CAE7}"/>
               </a:ext>
             </a:extLst>
           </p:cNvPr>
@@ -377,7 +377,7 @@
           <p:cNvPr id="3" name="竖排文字占位符 2">
             <a:extLst>
               <a:ext uri="{FF2B5EF4-FFF2-40B4-BE49-F238E27FC236}">
-                <a16:creationId xmlns:a16="http://schemas.microsoft.com/office/drawing/2014/main" id="{690A2801-D56B-81CF-A8B2-EF9BDD3AFEE0}"/>
+                <a16:creationId xmlns:a16="http://schemas.microsoft.com/office/drawing/2014/main" id="{5A358B3B-5A82-BED1-1983-0513EFC68BF6}"/>
               </a:ext>
             </a:extLst>
           </p:cNvPr>
@@ -434,7 +434,7 @@
           <p:cNvPr id="4" name="日期占位符 3">
             <a:extLst>
               <a:ext uri="{FF2B5EF4-FFF2-40B4-BE49-F238E27FC236}">
-                <a16:creationId xmlns:a16="http://schemas.microsoft.com/office/drawing/2014/main" id="{BA330CBA-9683-211C-B655-D2139B5FBC9E}"/>
+                <a16:creationId xmlns:a16="http://schemas.microsoft.com/office/drawing/2014/main" id="{4B1B3AA2-B960-AA5E-36BD-AD5B70792414}"/>
               </a:ext>
             </a:extLst>
           </p:cNvPr>
@@ -450,7 +450,7 @@
           <a:bodyPr/>
           <a:lstStyle/>
           <a:p>
-            <a:fld id="{F9DE1870-6365-4041-BDC7-C941173FF91B}" type="datetimeFigureOut">
+            <a:fld id="{48C9C8B7-5985-4DB4-8A11-1D4594B47FE9}" type="datetimeFigureOut">
               <a:rPr lang="zh-CN" altLang="en-US" smtClean="0"/>
               <a:t>2024/3/10</a:t>
             </a:fld>
@@ -463,7 +463,7 @@
           <p:cNvPr id="5" name="页脚占位符 4">
             <a:extLst>
               <a:ext uri="{FF2B5EF4-FFF2-40B4-BE49-F238E27FC236}">
-                <a16:creationId xmlns:a16="http://schemas.microsoft.com/office/drawing/2014/main" id="{8205522D-2C23-E7B3-3FC2-D7BE951D8565}"/>
+                <a16:creationId xmlns:a16="http://schemas.microsoft.com/office/drawing/2014/main" id="{23C6256A-D1AD-572B-518C-39129E4A366B}"/>
               </a:ext>
             </a:extLst>
           </p:cNvPr>
@@ -488,7 +488,7 @@
           <p:cNvPr id="6" name="灯片编号占位符 5">
             <a:extLst>
               <a:ext uri="{FF2B5EF4-FFF2-40B4-BE49-F238E27FC236}">
-                <a16:creationId xmlns:a16="http://schemas.microsoft.com/office/drawing/2014/main" id="{1B16860E-F65D-0BED-C109-793B2351E591}"/>
+                <a16:creationId xmlns:a16="http://schemas.microsoft.com/office/drawing/2014/main" id="{1544C087-59DB-086E-67CD-C670636E08F1}"/>
               </a:ext>
             </a:extLst>
           </p:cNvPr>
@@ -504,7 +504,7 @@
           <a:bodyPr/>
           <a:lstStyle/>
           <a:p>
-            <a:fld id="{416C6CD9-42DA-431F-A9D5-B3FE73373F87}" type="slidenum">
+            <a:fld id="{C1337CBB-376D-4E99-8050-AA63B506FB94}" type="slidenum">
               <a:rPr lang="zh-CN" altLang="en-US" smtClean="0"/>
               <a:t>‹#›</a:t>
             </a:fld>
@@ -515,7 +515,7 @@
     </p:spTree>
     <p:extLst>
       <p:ext uri="{BB962C8B-B14F-4D97-AF65-F5344CB8AC3E}">
-        <p14:creationId xmlns:p14="http://schemas.microsoft.com/office/powerpoint/2010/main" val="3493204994"/>
+        <p14:creationId xmlns:p14="http://schemas.microsoft.com/office/powerpoint/2010/main" val="27419067"/>
       </p:ext>
     </p:extLst>
   </p:cSld>
@@ -547,7 +547,7 @@
           <p:cNvPr id="2" name="竖排标题 1">
             <a:extLst>
               <a:ext uri="{FF2B5EF4-FFF2-40B4-BE49-F238E27FC236}">
-                <a16:creationId xmlns:a16="http://schemas.microsoft.com/office/drawing/2014/main" id="{2202203E-400E-6FD2-D4D9-E4D2DAE07998}"/>
+                <a16:creationId xmlns:a16="http://schemas.microsoft.com/office/drawing/2014/main" id="{9A5BF13F-2DB7-201A-3D42-4D3D2FAFB164}"/>
               </a:ext>
             </a:extLst>
           </p:cNvPr>
@@ -580,7 +580,7 @@
           <p:cNvPr id="3" name="竖排文字占位符 2">
             <a:extLst>
               <a:ext uri="{FF2B5EF4-FFF2-40B4-BE49-F238E27FC236}">
-                <a16:creationId xmlns:a16="http://schemas.microsoft.com/office/drawing/2014/main" id="{4685C3A0-6754-7DB8-3F60-456B3E634C7A}"/>
+                <a16:creationId xmlns:a16="http://schemas.microsoft.com/office/drawing/2014/main" id="{20F4CBA3-9572-B49B-A603-4EA18018E70F}"/>
               </a:ext>
             </a:extLst>
           </p:cNvPr>
@@ -642,7 +642,7 @@
           <p:cNvPr id="4" name="日期占位符 3">
             <a:extLst>
               <a:ext uri="{FF2B5EF4-FFF2-40B4-BE49-F238E27FC236}">
-                <a16:creationId xmlns:a16="http://schemas.microsoft.com/office/drawing/2014/main" id="{F3D81476-6071-70AE-D62A-7636261FE298}"/>
+                <a16:creationId xmlns:a16="http://schemas.microsoft.com/office/drawing/2014/main" id="{14047599-E315-3161-2EA4-70547DBF300C}"/>
               </a:ext>
             </a:extLst>
           </p:cNvPr>
@@ -658,7 +658,7 @@
           <a:bodyPr/>
           <a:lstStyle/>
           <a:p>
-            <a:fld id="{F9DE1870-6365-4041-BDC7-C941173FF91B}" type="datetimeFigureOut">
+            <a:fld id="{48C9C8B7-5985-4DB4-8A11-1D4594B47FE9}" type="datetimeFigureOut">
               <a:rPr lang="zh-CN" altLang="en-US" smtClean="0"/>
               <a:t>2024/3/10</a:t>
             </a:fld>
@@ -671,7 +671,7 @@
           <p:cNvPr id="5" name="页脚占位符 4">
             <a:extLst>
               <a:ext uri="{FF2B5EF4-FFF2-40B4-BE49-F238E27FC236}">
-                <a16:creationId xmlns:a16="http://schemas.microsoft.com/office/drawing/2014/main" id="{225C2C9A-073F-138C-A776-E2CDC2558F65}"/>
+                <a16:creationId xmlns:a16="http://schemas.microsoft.com/office/drawing/2014/main" id="{CAF73205-6E29-5005-1E74-011FC99F4B1A}"/>
               </a:ext>
             </a:extLst>
           </p:cNvPr>
@@ -696,7 +696,7 @@
           <p:cNvPr id="6" name="灯片编号占位符 5">
             <a:extLst>
               <a:ext uri="{FF2B5EF4-FFF2-40B4-BE49-F238E27FC236}">
-                <a16:creationId xmlns:a16="http://schemas.microsoft.com/office/drawing/2014/main" id="{55039C11-132B-9333-A5D1-E7C740B31F74}"/>
+                <a16:creationId xmlns:a16="http://schemas.microsoft.com/office/drawing/2014/main" id="{762DE2B3-D351-4EC4-74D4-0CF72E7CE912}"/>
               </a:ext>
             </a:extLst>
           </p:cNvPr>
@@ -712,7 +712,7 @@
           <a:bodyPr/>
           <a:lstStyle/>
           <a:p>
-            <a:fld id="{416C6CD9-42DA-431F-A9D5-B3FE73373F87}" type="slidenum">
+            <a:fld id="{C1337CBB-376D-4E99-8050-AA63B506FB94}" type="slidenum">
               <a:rPr lang="zh-CN" altLang="en-US" smtClean="0"/>
               <a:t>‹#›</a:t>
             </a:fld>
@@ -723,7 +723,7 @@
     </p:spTree>
     <p:extLst>
       <p:ext uri="{BB962C8B-B14F-4D97-AF65-F5344CB8AC3E}">
-        <p14:creationId xmlns:p14="http://schemas.microsoft.com/office/powerpoint/2010/main" val="633092306"/>
+        <p14:creationId xmlns:p14="http://schemas.microsoft.com/office/powerpoint/2010/main" val="1284239421"/>
       </p:ext>
     </p:extLst>
   </p:cSld>
@@ -755,7 +755,7 @@
           <p:cNvPr id="2" name="标题 1">
             <a:extLst>
               <a:ext uri="{FF2B5EF4-FFF2-40B4-BE49-F238E27FC236}">
-                <a16:creationId xmlns:a16="http://schemas.microsoft.com/office/drawing/2014/main" id="{A9F4DC24-7493-30A1-5B8D-33BE0CA4ABAC}"/>
+                <a16:creationId xmlns:a16="http://schemas.microsoft.com/office/drawing/2014/main" id="{37A98C6C-5A5A-9116-81FE-A19AEDE191BE}"/>
               </a:ext>
             </a:extLst>
           </p:cNvPr>
@@ -783,7 +783,7 @@
           <p:cNvPr id="3" name="内容占位符 2">
             <a:extLst>
               <a:ext uri="{FF2B5EF4-FFF2-40B4-BE49-F238E27FC236}">
-                <a16:creationId xmlns:a16="http://schemas.microsoft.com/office/drawing/2014/main" id="{D1C2F8E1-3F35-12E5-8609-A6C8F3A6EC27}"/>
+                <a16:creationId xmlns:a16="http://schemas.microsoft.com/office/drawing/2014/main" id="{C65111EA-88F2-D4BF-9094-BFAF9C3C2A09}"/>
               </a:ext>
             </a:extLst>
           </p:cNvPr>
@@ -840,7 +840,7 @@
           <p:cNvPr id="4" name="日期占位符 3">
             <a:extLst>
               <a:ext uri="{FF2B5EF4-FFF2-40B4-BE49-F238E27FC236}">
-                <a16:creationId xmlns:a16="http://schemas.microsoft.com/office/drawing/2014/main" id="{11FE8BDB-E14E-3B01-9DB7-E2F0D052BDD2}"/>
+                <a16:creationId xmlns:a16="http://schemas.microsoft.com/office/drawing/2014/main" id="{23F3518D-A1BE-52AE-25F8-5DC64E408C21}"/>
               </a:ext>
             </a:extLst>
           </p:cNvPr>
@@ -856,7 +856,7 @@
           <a:bodyPr/>
           <a:lstStyle/>
           <a:p>
-            <a:fld id="{F9DE1870-6365-4041-BDC7-C941173FF91B}" type="datetimeFigureOut">
+            <a:fld id="{48C9C8B7-5985-4DB4-8A11-1D4594B47FE9}" type="datetimeFigureOut">
               <a:rPr lang="zh-CN" altLang="en-US" smtClean="0"/>
               <a:t>2024/3/10</a:t>
             </a:fld>
@@ -869,7 +869,7 @@
           <p:cNvPr id="5" name="页脚占位符 4">
             <a:extLst>
               <a:ext uri="{FF2B5EF4-FFF2-40B4-BE49-F238E27FC236}">
-                <a16:creationId xmlns:a16="http://schemas.microsoft.com/office/drawing/2014/main" id="{F940F221-50CF-71EB-D3CD-1298C61BBDCC}"/>
+                <a16:creationId xmlns:a16="http://schemas.microsoft.com/office/drawing/2014/main" id="{4DFB3A57-4126-64C7-FAC9-86239C577161}"/>
               </a:ext>
             </a:extLst>
           </p:cNvPr>
@@ -894,7 +894,7 @@
           <p:cNvPr id="6" name="灯片编号占位符 5">
             <a:extLst>
               <a:ext uri="{FF2B5EF4-FFF2-40B4-BE49-F238E27FC236}">
-                <a16:creationId xmlns:a16="http://schemas.microsoft.com/office/drawing/2014/main" id="{758B200A-03B5-0FC9-74D4-2675562F29D6}"/>
+                <a16:creationId xmlns:a16="http://schemas.microsoft.com/office/drawing/2014/main" id="{8DDAD7AF-399B-9BC7-8D8A-30A97ADD0783}"/>
               </a:ext>
             </a:extLst>
           </p:cNvPr>
@@ -910,7 +910,7 @@
           <a:bodyPr/>
           <a:lstStyle/>
           <a:p>
-            <a:fld id="{416C6CD9-42DA-431F-A9D5-B3FE73373F87}" type="slidenum">
+            <a:fld id="{C1337CBB-376D-4E99-8050-AA63B506FB94}" type="slidenum">
               <a:rPr lang="zh-CN" altLang="en-US" smtClean="0"/>
               <a:t>‹#›</a:t>
             </a:fld>
@@ -921,7 +921,7 @@
     </p:spTree>
     <p:extLst>
       <p:ext uri="{BB962C8B-B14F-4D97-AF65-F5344CB8AC3E}">
-        <p14:creationId xmlns:p14="http://schemas.microsoft.com/office/powerpoint/2010/main" val="2617258661"/>
+        <p14:creationId xmlns:p14="http://schemas.microsoft.com/office/powerpoint/2010/main" val="2449371643"/>
       </p:ext>
     </p:extLst>
   </p:cSld>
@@ -953,7 +953,7 @@
           <p:cNvPr id="2" name="标题 1">
             <a:extLst>
               <a:ext uri="{FF2B5EF4-FFF2-40B4-BE49-F238E27FC236}">
-                <a16:creationId xmlns:a16="http://schemas.microsoft.com/office/drawing/2014/main" id="{1798FE5B-FE93-8597-CAC3-A9A01E91DAE5}"/>
+                <a16:creationId xmlns:a16="http://schemas.microsoft.com/office/drawing/2014/main" id="{394A7F12-72EB-4D06-C7F1-8307EC80A442}"/>
               </a:ext>
             </a:extLst>
           </p:cNvPr>
@@ -990,7 +990,7 @@
           <p:cNvPr id="3" name="文本占位符 2">
             <a:extLst>
               <a:ext uri="{FF2B5EF4-FFF2-40B4-BE49-F238E27FC236}">
-                <a16:creationId xmlns:a16="http://schemas.microsoft.com/office/drawing/2014/main" id="{150AB198-E748-3410-0265-48BC4754C4C1}"/>
+                <a16:creationId xmlns:a16="http://schemas.microsoft.com/office/drawing/2014/main" id="{59BB5CDA-FD7F-5941-DCF8-77DE3A862E33}"/>
               </a:ext>
             </a:extLst>
           </p:cNvPr>
@@ -1115,7 +1115,7 @@
           <p:cNvPr id="4" name="日期占位符 3">
             <a:extLst>
               <a:ext uri="{FF2B5EF4-FFF2-40B4-BE49-F238E27FC236}">
-                <a16:creationId xmlns:a16="http://schemas.microsoft.com/office/drawing/2014/main" id="{8CBA1917-0B9E-3C74-20A7-402FE512AEF5}"/>
+                <a16:creationId xmlns:a16="http://schemas.microsoft.com/office/drawing/2014/main" id="{FB9E3FDB-8D43-8732-30FB-48ACA4427498}"/>
               </a:ext>
             </a:extLst>
           </p:cNvPr>
@@ -1131,7 +1131,7 @@
           <a:bodyPr/>
           <a:lstStyle/>
           <a:p>
-            <a:fld id="{F9DE1870-6365-4041-BDC7-C941173FF91B}" type="datetimeFigureOut">
+            <a:fld id="{48C9C8B7-5985-4DB4-8A11-1D4594B47FE9}" type="datetimeFigureOut">
               <a:rPr lang="zh-CN" altLang="en-US" smtClean="0"/>
               <a:t>2024/3/10</a:t>
             </a:fld>
@@ -1144,7 +1144,7 @@
           <p:cNvPr id="5" name="页脚占位符 4">
             <a:extLst>
               <a:ext uri="{FF2B5EF4-FFF2-40B4-BE49-F238E27FC236}">
-                <a16:creationId xmlns:a16="http://schemas.microsoft.com/office/drawing/2014/main" id="{6DCACF4C-58E7-5571-1A6D-7A1B7F6616C1}"/>
+                <a16:creationId xmlns:a16="http://schemas.microsoft.com/office/drawing/2014/main" id="{7C6FB495-D7E0-E595-E127-64D4B8E3DF2F}"/>
               </a:ext>
             </a:extLst>
           </p:cNvPr>
@@ -1169,7 +1169,7 @@
           <p:cNvPr id="6" name="灯片编号占位符 5">
             <a:extLst>
               <a:ext uri="{FF2B5EF4-FFF2-40B4-BE49-F238E27FC236}">
-                <a16:creationId xmlns:a16="http://schemas.microsoft.com/office/drawing/2014/main" id="{224E6AF6-C4DA-A272-8DDE-621905B272ED}"/>
+                <a16:creationId xmlns:a16="http://schemas.microsoft.com/office/drawing/2014/main" id="{BDD23B8B-5E4F-D01F-359B-0D1B870F27F0}"/>
               </a:ext>
             </a:extLst>
           </p:cNvPr>
@@ -1185,7 +1185,7 @@
           <a:bodyPr/>
           <a:lstStyle/>
           <a:p>
-            <a:fld id="{416C6CD9-42DA-431F-A9D5-B3FE73373F87}" type="slidenum">
+            <a:fld id="{C1337CBB-376D-4E99-8050-AA63B506FB94}" type="slidenum">
               <a:rPr lang="zh-CN" altLang="en-US" smtClean="0"/>
               <a:t>‹#›</a:t>
             </a:fld>
@@ -1196,7 +1196,7 @@
     </p:spTree>
     <p:extLst>
       <p:ext uri="{BB962C8B-B14F-4D97-AF65-F5344CB8AC3E}">
-        <p14:creationId xmlns:p14="http://schemas.microsoft.com/office/powerpoint/2010/main" val="2776124780"/>
+        <p14:creationId xmlns:p14="http://schemas.microsoft.com/office/powerpoint/2010/main" val="3682602584"/>
       </p:ext>
     </p:extLst>
   </p:cSld>
@@ -1228,7 +1228,7 @@
           <p:cNvPr id="2" name="标题 1">
             <a:extLst>
               <a:ext uri="{FF2B5EF4-FFF2-40B4-BE49-F238E27FC236}">
-                <a16:creationId xmlns:a16="http://schemas.microsoft.com/office/drawing/2014/main" id="{FDC0C7B9-70E6-1110-9487-A1F2DA40D082}"/>
+                <a16:creationId xmlns:a16="http://schemas.microsoft.com/office/drawing/2014/main" id="{F839DF03-204D-DB6C-9969-0EB1F8AA8124}"/>
               </a:ext>
             </a:extLst>
           </p:cNvPr>
@@ -1256,7 +1256,7 @@
           <p:cNvPr id="3" name="内容占位符 2">
             <a:extLst>
               <a:ext uri="{FF2B5EF4-FFF2-40B4-BE49-F238E27FC236}">
-                <a16:creationId xmlns:a16="http://schemas.microsoft.com/office/drawing/2014/main" id="{89C511C4-4D67-F3B6-DF2E-E853EC649BCA}"/>
+                <a16:creationId xmlns:a16="http://schemas.microsoft.com/office/drawing/2014/main" id="{ACCE3786-8AC8-A847-7C4F-B4D8A80BCFB9}"/>
               </a:ext>
             </a:extLst>
           </p:cNvPr>
@@ -1318,7 +1318,7 @@
           <p:cNvPr id="4" name="内容占位符 3">
             <a:extLst>
               <a:ext uri="{FF2B5EF4-FFF2-40B4-BE49-F238E27FC236}">
-                <a16:creationId xmlns:a16="http://schemas.microsoft.com/office/drawing/2014/main" id="{2DFCC20E-5375-BC68-051C-523C6DC6D47D}"/>
+                <a16:creationId xmlns:a16="http://schemas.microsoft.com/office/drawing/2014/main" id="{EB172F58-AF4E-1244-E26A-CBBE271C5AA8}"/>
               </a:ext>
             </a:extLst>
           </p:cNvPr>
@@ -1380,7 +1380,7 @@
           <p:cNvPr id="5" name="日期占位符 4">
             <a:extLst>
               <a:ext uri="{FF2B5EF4-FFF2-40B4-BE49-F238E27FC236}">
-                <a16:creationId xmlns:a16="http://schemas.microsoft.com/office/drawing/2014/main" id="{77E0ADAE-61B4-6015-B33F-E5F76619DBEA}"/>
+                <a16:creationId xmlns:a16="http://schemas.microsoft.com/office/drawing/2014/main" id="{5EA4AC9F-6011-2084-A278-C7772FE554FE}"/>
               </a:ext>
             </a:extLst>
           </p:cNvPr>
@@ -1396,7 +1396,7 @@
           <a:bodyPr/>
           <a:lstStyle/>
           <a:p>
-            <a:fld id="{F9DE1870-6365-4041-BDC7-C941173FF91B}" type="datetimeFigureOut">
+            <a:fld id="{48C9C8B7-5985-4DB4-8A11-1D4594B47FE9}" type="datetimeFigureOut">
               <a:rPr lang="zh-CN" altLang="en-US" smtClean="0"/>
               <a:t>2024/3/10</a:t>
             </a:fld>
@@ -1409,7 +1409,7 @@
           <p:cNvPr id="6" name="页脚占位符 5">
             <a:extLst>
               <a:ext uri="{FF2B5EF4-FFF2-40B4-BE49-F238E27FC236}">
-                <a16:creationId xmlns:a16="http://schemas.microsoft.com/office/drawing/2014/main" id="{36BD6D93-9E4D-AAF1-D738-2476DED86465}"/>
+                <a16:creationId xmlns:a16="http://schemas.microsoft.com/office/drawing/2014/main" id="{AF3D6A38-6DA2-6831-2C42-F94A311E90BB}"/>
               </a:ext>
             </a:extLst>
           </p:cNvPr>
@@ -1434,7 +1434,7 @@
           <p:cNvPr id="7" name="灯片编号占位符 6">
             <a:extLst>
               <a:ext uri="{FF2B5EF4-FFF2-40B4-BE49-F238E27FC236}">
-                <a16:creationId xmlns:a16="http://schemas.microsoft.com/office/drawing/2014/main" id="{A7540901-A71F-88B8-B356-D04CF314F936}"/>
+                <a16:creationId xmlns:a16="http://schemas.microsoft.com/office/drawing/2014/main" id="{F98F47C3-9D88-8C30-8AB9-AA9399C213CD}"/>
               </a:ext>
             </a:extLst>
           </p:cNvPr>
@@ -1450,7 +1450,7 @@
           <a:bodyPr/>
           <a:lstStyle/>
           <a:p>
-            <a:fld id="{416C6CD9-42DA-431F-A9D5-B3FE73373F87}" type="slidenum">
+            <a:fld id="{C1337CBB-376D-4E99-8050-AA63B506FB94}" type="slidenum">
               <a:rPr lang="zh-CN" altLang="en-US" smtClean="0"/>
               <a:t>‹#›</a:t>
             </a:fld>
@@ -1461,7 +1461,7 @@
     </p:spTree>
     <p:extLst>
       <p:ext uri="{BB962C8B-B14F-4D97-AF65-F5344CB8AC3E}">
-        <p14:creationId xmlns:p14="http://schemas.microsoft.com/office/powerpoint/2010/main" val="1799411324"/>
+        <p14:creationId xmlns:p14="http://schemas.microsoft.com/office/powerpoint/2010/main" val="1915191145"/>
       </p:ext>
     </p:extLst>
   </p:cSld>
@@ -1493,7 +1493,7 @@
           <p:cNvPr id="2" name="标题 1">
             <a:extLst>
               <a:ext uri="{FF2B5EF4-FFF2-40B4-BE49-F238E27FC236}">
-                <a16:creationId xmlns:a16="http://schemas.microsoft.com/office/drawing/2014/main" id="{27472B7C-81F7-A48F-6E54-AEC9DB62D73C}"/>
+                <a16:creationId xmlns:a16="http://schemas.microsoft.com/office/drawing/2014/main" id="{1A18B013-28FE-41BA-5FD6-134962AF46C7}"/>
               </a:ext>
             </a:extLst>
           </p:cNvPr>
@@ -1526,7 +1526,7 @@
           <p:cNvPr id="3" name="文本占位符 2">
             <a:extLst>
               <a:ext uri="{FF2B5EF4-FFF2-40B4-BE49-F238E27FC236}">
-                <a16:creationId xmlns:a16="http://schemas.microsoft.com/office/drawing/2014/main" id="{6E32004C-06EA-7D00-759A-7EF62F099C2B}"/>
+                <a16:creationId xmlns:a16="http://schemas.microsoft.com/office/drawing/2014/main" id="{9142EDB3-7283-3480-5F49-863CBA0D3196}"/>
               </a:ext>
             </a:extLst>
           </p:cNvPr>
@@ -1597,7 +1597,7 @@
           <p:cNvPr id="4" name="内容占位符 3">
             <a:extLst>
               <a:ext uri="{FF2B5EF4-FFF2-40B4-BE49-F238E27FC236}">
-                <a16:creationId xmlns:a16="http://schemas.microsoft.com/office/drawing/2014/main" id="{EED66FBF-FCE8-356E-BEF0-1D0BDEF2DB65}"/>
+                <a16:creationId xmlns:a16="http://schemas.microsoft.com/office/drawing/2014/main" id="{42CA3811-6C9E-AE0F-BC72-BBBE52B3F83A}"/>
               </a:ext>
             </a:extLst>
           </p:cNvPr>
@@ -1659,7 +1659,7 @@
           <p:cNvPr id="5" name="文本占位符 4">
             <a:extLst>
               <a:ext uri="{FF2B5EF4-FFF2-40B4-BE49-F238E27FC236}">
-                <a16:creationId xmlns:a16="http://schemas.microsoft.com/office/drawing/2014/main" id="{D5FC628C-960B-4908-40A5-5A85756EAA4B}"/>
+                <a16:creationId xmlns:a16="http://schemas.microsoft.com/office/drawing/2014/main" id="{BC47ACB3-3319-60AD-C403-022707230BD6}"/>
               </a:ext>
             </a:extLst>
           </p:cNvPr>
@@ -1730,7 +1730,7 @@
           <p:cNvPr id="6" name="内容占位符 5">
             <a:extLst>
               <a:ext uri="{FF2B5EF4-FFF2-40B4-BE49-F238E27FC236}">
-                <a16:creationId xmlns:a16="http://schemas.microsoft.com/office/drawing/2014/main" id="{8985CAF2-0848-772C-D4F2-E3E11C6CBB69}"/>
+                <a16:creationId xmlns:a16="http://schemas.microsoft.com/office/drawing/2014/main" id="{29A94AA7-0E7B-74A3-1CE6-4A03559DC66D}"/>
               </a:ext>
             </a:extLst>
           </p:cNvPr>
@@ -1792,7 +1792,7 @@
           <p:cNvPr id="7" name="日期占位符 6">
             <a:extLst>
               <a:ext uri="{FF2B5EF4-FFF2-40B4-BE49-F238E27FC236}">
-                <a16:creationId xmlns:a16="http://schemas.microsoft.com/office/drawing/2014/main" id="{6F63BCFF-789A-793A-D81B-83BFD725DE28}"/>
+                <a16:creationId xmlns:a16="http://schemas.microsoft.com/office/drawing/2014/main" id="{B5CB4335-85F7-10D9-7C1A-FC8EC5BA7E14}"/>
               </a:ext>
             </a:extLst>
           </p:cNvPr>
@@ -1808,7 +1808,7 @@
           <a:bodyPr/>
           <a:lstStyle/>
           <a:p>
-            <a:fld id="{F9DE1870-6365-4041-BDC7-C941173FF91B}" type="datetimeFigureOut">
+            <a:fld id="{48C9C8B7-5985-4DB4-8A11-1D4594B47FE9}" type="datetimeFigureOut">
               <a:rPr lang="zh-CN" altLang="en-US" smtClean="0"/>
               <a:t>2024/3/10</a:t>
             </a:fld>
@@ -1821,7 +1821,7 @@
           <p:cNvPr id="8" name="页脚占位符 7">
             <a:extLst>
               <a:ext uri="{FF2B5EF4-FFF2-40B4-BE49-F238E27FC236}">
-                <a16:creationId xmlns:a16="http://schemas.microsoft.com/office/drawing/2014/main" id="{56BEAD8D-2923-D4D7-A33C-1F22E69DD035}"/>
+                <a16:creationId xmlns:a16="http://schemas.microsoft.com/office/drawing/2014/main" id="{1C569FAB-B8F6-051B-D212-C27CC8DE6436}"/>
               </a:ext>
             </a:extLst>
           </p:cNvPr>
@@ -1846,7 +1846,7 @@
           <p:cNvPr id="9" name="灯片编号占位符 8">
             <a:extLst>
               <a:ext uri="{FF2B5EF4-FFF2-40B4-BE49-F238E27FC236}">
-                <a16:creationId xmlns:a16="http://schemas.microsoft.com/office/drawing/2014/main" id="{821008EF-4B60-FC8E-BE03-479E798F8FDA}"/>
+                <a16:creationId xmlns:a16="http://schemas.microsoft.com/office/drawing/2014/main" id="{2490BF6F-0EF4-0F68-0372-9DC471DDFF0D}"/>
               </a:ext>
             </a:extLst>
           </p:cNvPr>
@@ -1862,7 +1862,7 @@
           <a:bodyPr/>
           <a:lstStyle/>
           <a:p>
-            <a:fld id="{416C6CD9-42DA-431F-A9D5-B3FE73373F87}" type="slidenum">
+            <a:fld id="{C1337CBB-376D-4E99-8050-AA63B506FB94}" type="slidenum">
               <a:rPr lang="zh-CN" altLang="en-US" smtClean="0"/>
               <a:t>‹#›</a:t>
             </a:fld>
@@ -1873,7 +1873,7 @@
     </p:spTree>
     <p:extLst>
       <p:ext uri="{BB962C8B-B14F-4D97-AF65-F5344CB8AC3E}">
-        <p14:creationId xmlns:p14="http://schemas.microsoft.com/office/powerpoint/2010/main" val="4063970581"/>
+        <p14:creationId xmlns:p14="http://schemas.microsoft.com/office/powerpoint/2010/main" val="889521777"/>
       </p:ext>
     </p:extLst>
   </p:cSld>
@@ -1905,7 +1905,7 @@
           <p:cNvPr id="2" name="标题 1">
             <a:extLst>
               <a:ext uri="{FF2B5EF4-FFF2-40B4-BE49-F238E27FC236}">
-                <a16:creationId xmlns:a16="http://schemas.microsoft.com/office/drawing/2014/main" id="{7CD7E9B3-D0DF-662A-536D-395F853B0AD5}"/>
+                <a16:creationId xmlns:a16="http://schemas.microsoft.com/office/drawing/2014/main" id="{F009BFCA-4FB4-300D-D10F-E3062EC4C919}"/>
               </a:ext>
             </a:extLst>
           </p:cNvPr>
@@ -1933,7 +1933,7 @@
           <p:cNvPr id="3" name="日期占位符 2">
             <a:extLst>
               <a:ext uri="{FF2B5EF4-FFF2-40B4-BE49-F238E27FC236}">
-                <a16:creationId xmlns:a16="http://schemas.microsoft.com/office/drawing/2014/main" id="{A46F7148-5E82-6ED9-C541-2BB58B1F5D7A}"/>
+                <a16:creationId xmlns:a16="http://schemas.microsoft.com/office/drawing/2014/main" id="{3B0CCB81-85A9-5729-7D49-55254C3AC054}"/>
               </a:ext>
             </a:extLst>
           </p:cNvPr>
@@ -1949,7 +1949,7 @@
           <a:bodyPr/>
           <a:lstStyle/>
           <a:p>
-            <a:fld id="{F9DE1870-6365-4041-BDC7-C941173FF91B}" type="datetimeFigureOut">
+            <a:fld id="{48C9C8B7-5985-4DB4-8A11-1D4594B47FE9}" type="datetimeFigureOut">
               <a:rPr lang="zh-CN" altLang="en-US" smtClean="0"/>
               <a:t>2024/3/10</a:t>
             </a:fld>
@@ -1962,7 +1962,7 @@
           <p:cNvPr id="4" name="页脚占位符 3">
             <a:extLst>
               <a:ext uri="{FF2B5EF4-FFF2-40B4-BE49-F238E27FC236}">
-                <a16:creationId xmlns:a16="http://schemas.microsoft.com/office/drawing/2014/main" id="{EACBCD71-C18C-A894-19DA-930F10AC4B12}"/>
+                <a16:creationId xmlns:a16="http://schemas.microsoft.com/office/drawing/2014/main" id="{1CC9DF73-5F3A-EA25-581F-09676B231026}"/>
               </a:ext>
             </a:extLst>
           </p:cNvPr>
@@ -1987,7 +1987,7 @@
           <p:cNvPr id="5" name="灯片编号占位符 4">
             <a:extLst>
               <a:ext uri="{FF2B5EF4-FFF2-40B4-BE49-F238E27FC236}">
-                <a16:creationId xmlns:a16="http://schemas.microsoft.com/office/drawing/2014/main" id="{ED757026-BF0B-A38F-AC77-184497C9BB92}"/>
+                <a16:creationId xmlns:a16="http://schemas.microsoft.com/office/drawing/2014/main" id="{AA05DB00-9C77-510A-B7F0-D5BA3619E278}"/>
               </a:ext>
             </a:extLst>
           </p:cNvPr>
@@ -2003,7 +2003,7 @@
           <a:bodyPr/>
           <a:lstStyle/>
           <a:p>
-            <a:fld id="{416C6CD9-42DA-431F-A9D5-B3FE73373F87}" type="slidenum">
+            <a:fld id="{C1337CBB-376D-4E99-8050-AA63B506FB94}" type="slidenum">
               <a:rPr lang="zh-CN" altLang="en-US" smtClean="0"/>
               <a:t>‹#›</a:t>
             </a:fld>
@@ -2014,7 +2014,7 @@
     </p:spTree>
     <p:extLst>
       <p:ext uri="{BB962C8B-B14F-4D97-AF65-F5344CB8AC3E}">
-        <p14:creationId xmlns:p14="http://schemas.microsoft.com/office/powerpoint/2010/main" val="1382775453"/>
+        <p14:creationId xmlns:p14="http://schemas.microsoft.com/office/powerpoint/2010/main" val="2335742055"/>
       </p:ext>
     </p:extLst>
   </p:cSld>
@@ -2046,7 +2046,7 @@
           <p:cNvPr id="2" name="日期占位符 1">
             <a:extLst>
               <a:ext uri="{FF2B5EF4-FFF2-40B4-BE49-F238E27FC236}">
-                <a16:creationId xmlns:a16="http://schemas.microsoft.com/office/drawing/2014/main" id="{FF2073FE-854A-2702-5F89-A49F9FDE56D0}"/>
+                <a16:creationId xmlns:a16="http://schemas.microsoft.com/office/drawing/2014/main" id="{FDD4A9CD-4B98-F670-34FB-DE301FA83E21}"/>
               </a:ext>
             </a:extLst>
           </p:cNvPr>
@@ -2062,7 +2062,7 @@
           <a:bodyPr/>
           <a:lstStyle/>
           <a:p>
-            <a:fld id="{F9DE1870-6365-4041-BDC7-C941173FF91B}" type="datetimeFigureOut">
+            <a:fld id="{48C9C8B7-5985-4DB4-8A11-1D4594B47FE9}" type="datetimeFigureOut">
               <a:rPr lang="zh-CN" altLang="en-US" smtClean="0"/>
               <a:t>2024/3/10</a:t>
             </a:fld>
@@ -2075,7 +2075,7 @@
           <p:cNvPr id="3" name="页脚占位符 2">
             <a:extLst>
               <a:ext uri="{FF2B5EF4-FFF2-40B4-BE49-F238E27FC236}">
-                <a16:creationId xmlns:a16="http://schemas.microsoft.com/office/drawing/2014/main" id="{AEFFEE2C-37DD-B4B3-7A1F-B0814FBF70A4}"/>
+                <a16:creationId xmlns:a16="http://schemas.microsoft.com/office/drawing/2014/main" id="{CAE76BF6-36D9-6366-50D9-0CC68DE47A2C}"/>
               </a:ext>
             </a:extLst>
           </p:cNvPr>
@@ -2100,7 +2100,7 @@
           <p:cNvPr id="4" name="灯片编号占位符 3">
             <a:extLst>
               <a:ext uri="{FF2B5EF4-FFF2-40B4-BE49-F238E27FC236}">
-                <a16:creationId xmlns:a16="http://schemas.microsoft.com/office/drawing/2014/main" id="{90C60FB8-D029-BB49-9D67-941113F6EC13}"/>
+                <a16:creationId xmlns:a16="http://schemas.microsoft.com/office/drawing/2014/main" id="{4A4130C6-3922-D010-BE6E-4F28B4B2AD7D}"/>
               </a:ext>
             </a:extLst>
           </p:cNvPr>
@@ -2116,7 +2116,7 @@
           <a:bodyPr/>
           <a:lstStyle/>
           <a:p>
-            <a:fld id="{416C6CD9-42DA-431F-A9D5-B3FE73373F87}" type="slidenum">
+            <a:fld id="{C1337CBB-376D-4E99-8050-AA63B506FB94}" type="slidenum">
               <a:rPr lang="zh-CN" altLang="en-US" smtClean="0"/>
               <a:t>‹#›</a:t>
             </a:fld>
@@ -2127,7 +2127,7 @@
     </p:spTree>
     <p:extLst>
       <p:ext uri="{BB962C8B-B14F-4D97-AF65-F5344CB8AC3E}">
-        <p14:creationId xmlns:p14="http://schemas.microsoft.com/office/powerpoint/2010/main" val="2612370308"/>
+        <p14:creationId xmlns:p14="http://schemas.microsoft.com/office/powerpoint/2010/main" val="1787589739"/>
       </p:ext>
     </p:extLst>
   </p:cSld>
@@ -2159,7 +2159,7 @@
           <p:cNvPr id="2" name="标题 1">
             <a:extLst>
               <a:ext uri="{FF2B5EF4-FFF2-40B4-BE49-F238E27FC236}">
-                <a16:creationId xmlns:a16="http://schemas.microsoft.com/office/drawing/2014/main" id="{32C12C54-51FA-B4DF-F055-7722EEAD625B}"/>
+                <a16:creationId xmlns:a16="http://schemas.microsoft.com/office/drawing/2014/main" id="{A5C4BD28-3E5C-B8AB-2D65-D3B7BBF00243}"/>
               </a:ext>
             </a:extLst>
           </p:cNvPr>
@@ -2196,7 +2196,7 @@
           <p:cNvPr id="3" name="内容占位符 2">
             <a:extLst>
               <a:ext uri="{FF2B5EF4-FFF2-40B4-BE49-F238E27FC236}">
-                <a16:creationId xmlns:a16="http://schemas.microsoft.com/office/drawing/2014/main" id="{8CDE04B7-2111-E5D5-EF5C-91CB2A501D79}"/>
+                <a16:creationId xmlns:a16="http://schemas.microsoft.com/office/drawing/2014/main" id="{7572E652-E21E-5CF2-5F6F-8600871061FB}"/>
               </a:ext>
             </a:extLst>
           </p:cNvPr>
@@ -2286,7 +2286,7 @@
           <p:cNvPr id="4" name="文本占位符 3">
             <a:extLst>
               <a:ext uri="{FF2B5EF4-FFF2-40B4-BE49-F238E27FC236}">
-                <a16:creationId xmlns:a16="http://schemas.microsoft.com/office/drawing/2014/main" id="{53FCD54B-C95B-5759-3D0D-74EC4CFD07C6}"/>
+                <a16:creationId xmlns:a16="http://schemas.microsoft.com/office/drawing/2014/main" id="{ABF76612-C9B5-4188-D9CD-5A3511B2D631}"/>
               </a:ext>
             </a:extLst>
           </p:cNvPr>
@@ -2357,7 +2357,7 @@
           <p:cNvPr id="5" name="日期占位符 4">
             <a:extLst>
               <a:ext uri="{FF2B5EF4-FFF2-40B4-BE49-F238E27FC236}">
-                <a16:creationId xmlns:a16="http://schemas.microsoft.com/office/drawing/2014/main" id="{3FC8501F-7BC2-28C7-6985-AFD9744BB7D1}"/>
+                <a16:creationId xmlns:a16="http://schemas.microsoft.com/office/drawing/2014/main" id="{54F4898A-94A8-E482-4D10-538318F042A3}"/>
               </a:ext>
             </a:extLst>
           </p:cNvPr>
@@ -2373,7 +2373,7 @@
           <a:bodyPr/>
           <a:lstStyle/>
           <a:p>
-            <a:fld id="{F9DE1870-6365-4041-BDC7-C941173FF91B}" type="datetimeFigureOut">
+            <a:fld id="{48C9C8B7-5985-4DB4-8A11-1D4594B47FE9}" type="datetimeFigureOut">
               <a:rPr lang="zh-CN" altLang="en-US" smtClean="0"/>
               <a:t>2024/3/10</a:t>
             </a:fld>
@@ -2386,7 +2386,7 @@
           <p:cNvPr id="6" name="页脚占位符 5">
             <a:extLst>
               <a:ext uri="{FF2B5EF4-FFF2-40B4-BE49-F238E27FC236}">
-                <a16:creationId xmlns:a16="http://schemas.microsoft.com/office/drawing/2014/main" id="{5A11DDB7-DD7B-DA19-948C-8641A7069675}"/>
+                <a16:creationId xmlns:a16="http://schemas.microsoft.com/office/drawing/2014/main" id="{B4180A1E-3AE0-D500-8915-C93DABAA4A8E}"/>
               </a:ext>
             </a:extLst>
           </p:cNvPr>
@@ -2411,7 +2411,7 @@
           <p:cNvPr id="7" name="灯片编号占位符 6">
             <a:extLst>
               <a:ext uri="{FF2B5EF4-FFF2-40B4-BE49-F238E27FC236}">
-                <a16:creationId xmlns:a16="http://schemas.microsoft.com/office/drawing/2014/main" id="{DDF88094-1900-7C6B-1C83-9DD545F5247B}"/>
+                <a16:creationId xmlns:a16="http://schemas.microsoft.com/office/drawing/2014/main" id="{9A40FFA8-AEB3-C45C-24EB-791781163F29}"/>
               </a:ext>
             </a:extLst>
           </p:cNvPr>
@@ -2427,7 +2427,7 @@
           <a:bodyPr/>
           <a:lstStyle/>
           <a:p>
-            <a:fld id="{416C6CD9-42DA-431F-A9D5-B3FE73373F87}" type="slidenum">
+            <a:fld id="{C1337CBB-376D-4E99-8050-AA63B506FB94}" type="slidenum">
               <a:rPr lang="zh-CN" altLang="en-US" smtClean="0"/>
               <a:t>‹#›</a:t>
             </a:fld>
@@ -2438,7 +2438,7 @@
     </p:spTree>
     <p:extLst>
       <p:ext uri="{BB962C8B-B14F-4D97-AF65-F5344CB8AC3E}">
-        <p14:creationId xmlns:p14="http://schemas.microsoft.com/office/powerpoint/2010/main" val="570671073"/>
+        <p14:creationId xmlns:p14="http://schemas.microsoft.com/office/powerpoint/2010/main" val="3030548312"/>
       </p:ext>
     </p:extLst>
   </p:cSld>
@@ -2470,7 +2470,7 @@
           <p:cNvPr id="2" name="标题 1">
             <a:extLst>
               <a:ext uri="{FF2B5EF4-FFF2-40B4-BE49-F238E27FC236}">
-                <a16:creationId xmlns:a16="http://schemas.microsoft.com/office/drawing/2014/main" id="{3689B9E1-04D6-6D50-056F-65F1169FD7AC}"/>
+                <a16:creationId xmlns:a16="http://schemas.microsoft.com/office/drawing/2014/main" id="{7B3E3313-1B4C-677D-9EA4-855D18AE12FF}"/>
               </a:ext>
             </a:extLst>
           </p:cNvPr>
@@ -2507,7 +2507,7 @@
           <p:cNvPr id="3" name="图片占位符 2">
             <a:extLst>
               <a:ext uri="{FF2B5EF4-FFF2-40B4-BE49-F238E27FC236}">
-                <a16:creationId xmlns:a16="http://schemas.microsoft.com/office/drawing/2014/main" id="{E6A0F997-5480-DE07-9021-46040283BB51}"/>
+                <a16:creationId xmlns:a16="http://schemas.microsoft.com/office/drawing/2014/main" id="{DD436291-39A6-1BA9-0A1E-C117C9513E7B}"/>
               </a:ext>
             </a:extLst>
           </p:cNvPr>
@@ -2574,7 +2574,7 @@
           <p:cNvPr id="4" name="文本占位符 3">
             <a:extLst>
               <a:ext uri="{FF2B5EF4-FFF2-40B4-BE49-F238E27FC236}">
-                <a16:creationId xmlns:a16="http://schemas.microsoft.com/office/drawing/2014/main" id="{2FFAD55E-A4D8-23F1-CC25-0C66D17EEADC}"/>
+                <a16:creationId xmlns:a16="http://schemas.microsoft.com/office/drawing/2014/main" id="{1EDB12C4-B4B7-70A5-CA01-40530AAD3515}"/>
               </a:ext>
             </a:extLst>
           </p:cNvPr>
@@ -2645,7 +2645,7 @@
           <p:cNvPr id="5" name="日期占位符 4">
             <a:extLst>
               <a:ext uri="{FF2B5EF4-FFF2-40B4-BE49-F238E27FC236}">
-                <a16:creationId xmlns:a16="http://schemas.microsoft.com/office/drawing/2014/main" id="{2BA85AD0-40C9-031C-484A-26FF3C86ED23}"/>
+                <a16:creationId xmlns:a16="http://schemas.microsoft.com/office/drawing/2014/main" id="{5945ACA1-C2B4-84A4-A3C7-371D97518DAC}"/>
               </a:ext>
             </a:extLst>
           </p:cNvPr>
@@ -2661,7 +2661,7 @@
           <a:bodyPr/>
           <a:lstStyle/>
           <a:p>
-            <a:fld id="{F9DE1870-6365-4041-BDC7-C941173FF91B}" type="datetimeFigureOut">
+            <a:fld id="{48C9C8B7-5985-4DB4-8A11-1D4594B47FE9}" type="datetimeFigureOut">
               <a:rPr lang="zh-CN" altLang="en-US" smtClean="0"/>
               <a:t>2024/3/10</a:t>
             </a:fld>
@@ -2674,7 +2674,7 @@
           <p:cNvPr id="6" name="页脚占位符 5">
             <a:extLst>
               <a:ext uri="{FF2B5EF4-FFF2-40B4-BE49-F238E27FC236}">
-                <a16:creationId xmlns:a16="http://schemas.microsoft.com/office/drawing/2014/main" id="{9EB1AF3A-7C18-66A6-AA78-5A61705B3C57}"/>
+                <a16:creationId xmlns:a16="http://schemas.microsoft.com/office/drawing/2014/main" id="{CD39C745-C599-82D8-FEF6-4C9FE359057D}"/>
               </a:ext>
             </a:extLst>
           </p:cNvPr>
@@ -2699,7 +2699,7 @@
           <p:cNvPr id="7" name="灯片编号占位符 6">
             <a:extLst>
               <a:ext uri="{FF2B5EF4-FFF2-40B4-BE49-F238E27FC236}">
-                <a16:creationId xmlns:a16="http://schemas.microsoft.com/office/drawing/2014/main" id="{F038B79C-A6D4-BB3D-C7AB-025AFDD494DD}"/>
+                <a16:creationId xmlns:a16="http://schemas.microsoft.com/office/drawing/2014/main" id="{14712514-548B-9512-B566-6237440793D4}"/>
               </a:ext>
             </a:extLst>
           </p:cNvPr>
@@ -2715,7 +2715,7 @@
           <a:bodyPr/>
           <a:lstStyle/>
           <a:p>
-            <a:fld id="{416C6CD9-42DA-431F-A9D5-B3FE73373F87}" type="slidenum">
+            <a:fld id="{C1337CBB-376D-4E99-8050-AA63B506FB94}" type="slidenum">
               <a:rPr lang="zh-CN" altLang="en-US" smtClean="0"/>
               <a:t>‹#›</a:t>
             </a:fld>
@@ -2726,7 +2726,7 @@
     </p:spTree>
     <p:extLst>
       <p:ext uri="{BB962C8B-B14F-4D97-AF65-F5344CB8AC3E}">
-        <p14:creationId xmlns:p14="http://schemas.microsoft.com/office/powerpoint/2010/main" val="47062842"/>
+        <p14:creationId xmlns:p14="http://schemas.microsoft.com/office/powerpoint/2010/main" val="4181444760"/>
       </p:ext>
     </p:extLst>
   </p:cSld>
@@ -2763,7 +2763,7 @@
           <p:cNvPr id="2" name="标题占位符 1">
             <a:extLst>
               <a:ext uri="{FF2B5EF4-FFF2-40B4-BE49-F238E27FC236}">
-                <a16:creationId xmlns:a16="http://schemas.microsoft.com/office/drawing/2014/main" id="{7156374E-8541-219E-816A-A810CC8F0047}"/>
+                <a16:creationId xmlns:a16="http://schemas.microsoft.com/office/drawing/2014/main" id="{16DD3C82-6BAF-51C8-44CD-1FAC5B8AE4ED}"/>
               </a:ext>
             </a:extLst>
           </p:cNvPr>
@@ -2801,7 +2801,7 @@
           <p:cNvPr id="3" name="文本占位符 2">
             <a:extLst>
               <a:ext uri="{FF2B5EF4-FFF2-40B4-BE49-F238E27FC236}">
-                <a16:creationId xmlns:a16="http://schemas.microsoft.com/office/drawing/2014/main" id="{BB14D916-D4F2-DFAC-5AF3-72426565148E}"/>
+                <a16:creationId xmlns:a16="http://schemas.microsoft.com/office/drawing/2014/main" id="{68D98193-FA9A-4A26-8D46-B45AD41E629B}"/>
               </a:ext>
             </a:extLst>
           </p:cNvPr>
@@ -2868,7 +2868,7 @@
           <p:cNvPr id="4" name="日期占位符 3">
             <a:extLst>
               <a:ext uri="{FF2B5EF4-FFF2-40B4-BE49-F238E27FC236}">
-                <a16:creationId xmlns:a16="http://schemas.microsoft.com/office/drawing/2014/main" id="{98C47A30-B2EC-F4D1-C8C9-4D0703EB526B}"/>
+                <a16:creationId xmlns:a16="http://schemas.microsoft.com/office/drawing/2014/main" id="{E84D080A-3894-7A3A-A756-18EB90996B37}"/>
               </a:ext>
             </a:extLst>
           </p:cNvPr>
@@ -2902,7 +2902,7 @@
             </a:lvl1pPr>
           </a:lstStyle>
           <a:p>
-            <a:fld id="{F9DE1870-6365-4041-BDC7-C941173FF91B}" type="datetimeFigureOut">
+            <a:fld id="{48C9C8B7-5985-4DB4-8A11-1D4594B47FE9}" type="datetimeFigureOut">
               <a:rPr lang="zh-CN" altLang="en-US" smtClean="0"/>
               <a:t>2024/3/10</a:t>
             </a:fld>
@@ -2915,7 +2915,7 @@
           <p:cNvPr id="5" name="页脚占位符 4">
             <a:extLst>
               <a:ext uri="{FF2B5EF4-FFF2-40B4-BE49-F238E27FC236}">
-                <a16:creationId xmlns:a16="http://schemas.microsoft.com/office/drawing/2014/main" id="{50C6A903-40A2-C49F-0419-44B5A846BEB4}"/>
+                <a16:creationId xmlns:a16="http://schemas.microsoft.com/office/drawing/2014/main" id="{5F168B47-3700-1686-07C6-7CF78D3E6373}"/>
               </a:ext>
             </a:extLst>
           </p:cNvPr>
@@ -2958,7 +2958,7 @@
           <p:cNvPr id="6" name="灯片编号占位符 5">
             <a:extLst>
               <a:ext uri="{FF2B5EF4-FFF2-40B4-BE49-F238E27FC236}">
-                <a16:creationId xmlns:a16="http://schemas.microsoft.com/office/drawing/2014/main" id="{E7C45A2D-7A3C-598E-65B7-A6AAA986AAAB}"/>
+                <a16:creationId xmlns:a16="http://schemas.microsoft.com/office/drawing/2014/main" id="{A729453D-62F9-DEE5-78C0-9F4B134E320A}"/>
               </a:ext>
             </a:extLst>
           </p:cNvPr>
@@ -2992,7 +2992,7 @@
             </a:lvl1pPr>
           </a:lstStyle>
           <a:p>
-            <a:fld id="{416C6CD9-42DA-431F-A9D5-B3FE73373F87}" type="slidenum">
+            <a:fld id="{C1337CBB-376D-4E99-8050-AA63B506FB94}" type="slidenum">
               <a:rPr lang="zh-CN" altLang="en-US" smtClean="0"/>
               <a:t>‹#›</a:t>
             </a:fld>
@@ -3003,7 +3003,7 @@
     </p:spTree>
     <p:extLst>
       <p:ext uri="{BB962C8B-B14F-4D97-AF65-F5344CB8AC3E}">
-        <p14:creationId xmlns:p14="http://schemas.microsoft.com/office/powerpoint/2010/main" val="586236852"/>
+        <p14:creationId xmlns:p14="http://schemas.microsoft.com/office/powerpoint/2010/main" val="304321567"/>
       </p:ext>
     </p:extLst>
   </p:cSld>
@@ -3323,7 +3323,7 @@
       </p:grpSpPr>
       <p:pic>
         <p:nvPicPr>
-          <p:cNvPr id="206850" name="Picture 2" descr="201"/>
+          <p:cNvPr id="207874" name="Picture 2" descr="202"/>
           <p:cNvPicPr>
             <a:picLocks noChangeAspect="1" noChangeArrowheads="1"/>
           </p:cNvPicPr>
@@ -3344,8 +3344,8 @@
         </p:blipFill>
         <p:spPr bwMode="auto">
           <a:xfrm>
-            <a:off x="1524000" y="0"/>
-            <a:ext cx="9144000" cy="6858000"/>
+            <a:off x="1543050" y="14288"/>
+            <a:ext cx="9124950" cy="6843712"/>
           </a:xfrm>
           <a:prstGeom prst="rect">
             <a:avLst/>
@@ -3377,7 +3377,7 @@
       </p:pic>
       <p:pic>
         <p:nvPicPr>
-          <p:cNvPr id="207875" name="Picture 3" descr="201-2"/>
+          <p:cNvPr id="208899" name="Picture 3" descr="202-2"/>
           <p:cNvPicPr>
             <a:picLocks noChangeAspect="1" noChangeArrowheads="1"/>
           </p:cNvPicPr>
@@ -3398,7 +3398,7 @@
         </p:blipFill>
         <p:spPr bwMode="auto">
           <a:xfrm>
-            <a:off x="1560513" y="44450"/>
+            <a:off x="1524000" y="0"/>
             <a:ext cx="9144000" cy="6858000"/>
           </a:xfrm>
           <a:prstGeom prst="rect">
@@ -3478,7 +3478,7 @@
                                           </p:stCondLst>
                                         </p:cTn>
                                         <p:tgtEl>
-                                          <p:spTgt spid="207875"/>
+                                          <p:spTgt spid="208899"/>
                                         </p:tgtEl>
                                         <p:attrNameLst>
                                           <p:attrName>style.visibility</p:attrName>
@@ -3492,7 +3492,7 @@
                                       <p:cBhvr>
                                         <p:cTn id="7" dur="500"/>
                                         <p:tgtEl>
-                                          <p:spTgt spid="207875"/>
+                                          <p:spTgt spid="208899"/>
                                         </p:tgtEl>
                                       </p:cBhvr>
                                     </p:animEffect>
